--- a/pptx/sop-pembeli.pptx
+++ b/pptx/sop-pembeli.pptx
@@ -5070,6 +5070,12 @@
 </file>
 
 <file path=customXml/item2.xml><?xml version="1.0" encoding="utf-8"?>
+<p:properties xmlns:p="http://schemas.microsoft.com/office/2006/metadata/properties" xmlns:xsi="http://www.w3.org/2001/XMLSchema-instance" xmlns:pc="http://schemas.microsoft.com/office/infopath/2007/PartnerControls">
+  <documentManagement/>
+</p:properties>
+</file>
+
+<file path=customXml/item3.xml><?xml version="1.0" encoding="utf-8"?>
 <ct:contentTypeSchema xmlns:ct="http://schemas.microsoft.com/office/2006/metadata/contentType" xmlns:ma="http://schemas.microsoft.com/office/2006/metadata/properties/metaAttributes" ct:_="" ma:_="" ma:contentTypeName="Document" ma:contentTypeID="0x0101001B5BDA7C6CE0794CB690081AF5BE7757" ma:contentTypeVersion="3" ma:contentTypeDescription="Create a new document." ma:contentTypeScope="" ma:versionID="44b1045e285762bee7b65659c1d8a1ab">
   <xsd:schema xmlns:xsd="http://www.w3.org/2001/XMLSchema" xmlns:xs="http://www.w3.org/2001/XMLSchema" xmlns:p="http://schemas.microsoft.com/office/2006/metadata/properties" xmlns:ns3="53433e96-4a1d-409d-a130-842bedef70f8" targetNamespace="http://schemas.microsoft.com/office/2006/metadata/properties" ma:root="true" ma:fieldsID="a650c8404bbdd64b99b0b1ec51252d95" ns3:_="">
     <xsd:import namespace="53433e96-4a1d-409d-a130-842bedef70f8"/>
@@ -5207,12 +5213,6 @@
 </ct:contentTypeSchema>
 </file>
 
-<file path=customXml/item3.xml><?xml version="1.0" encoding="utf-8"?>
-<p:properties xmlns:p="http://schemas.microsoft.com/office/2006/metadata/properties" xmlns:xsi="http://www.w3.org/2001/XMLSchema-instance" xmlns:pc="http://schemas.microsoft.com/office/infopath/2007/PartnerControls">
-  <documentManagement/>
-</p:properties>
-</file>
-
 <file path=customXml/itemProps1.xml><?xml version="1.0" encoding="utf-8"?>
 <ds:datastoreItem xmlns:ds="http://schemas.openxmlformats.org/officeDocument/2006/customXml" ds:itemID="{9ADC79B7-B123-447E-84CE-9AA90B0D7642}">
   <ds:schemaRefs>
@@ -5222,6 +5222,22 @@
 </file>
 
 <file path=customXml/itemProps2.xml><?xml version="1.0" encoding="utf-8"?>
+<ds:datastoreItem xmlns:ds="http://schemas.openxmlformats.org/officeDocument/2006/customXml" ds:itemID="{E11995FC-08E7-4CE3-AAD9-37C0023556F1}">
+  <ds:schemaRefs>
+    <ds:schemaRef ds:uri="http://purl.org/dc/elements/1.1/"/>
+    <ds:schemaRef ds:uri="53433e96-4a1d-409d-a130-842bedef70f8"/>
+    <ds:schemaRef ds:uri="http://www.w3.org/XML/1998/namespace"/>
+    <ds:schemaRef ds:uri="http://schemas.microsoft.com/office/2006/documentManagement/types"/>
+    <ds:schemaRef ds:uri="http://schemas.microsoft.com/office/2006/metadata/properties"/>
+    <ds:schemaRef ds:uri="http://purl.org/dc/dcmitype/"/>
+    <ds:schemaRef ds:uri="http://schemas.microsoft.com/office/infopath/2007/PartnerControls"/>
+    <ds:schemaRef ds:uri="http://schemas.openxmlformats.org/package/2006/metadata/core-properties"/>
+    <ds:schemaRef ds:uri="http://purl.org/dc/terms/"/>
+  </ds:schemaRefs>
+</ds:datastoreItem>
+</file>
+
+<file path=customXml/itemProps3.xml><?xml version="1.0" encoding="utf-8"?>
 <ds:datastoreItem xmlns:ds="http://schemas.openxmlformats.org/officeDocument/2006/customXml" ds:itemID="{68444BF6-EE7C-43B3-8C74-FAC914ABFF8B}">
   <ds:schemaRefs>
     <ds:schemaRef ds:uri="http://schemas.microsoft.com/office/2006/metadata/contentType"/>
@@ -5237,20 +5253,4 @@
     <ds:schemaRef ds:uri="http://schemas.microsoft.com/internal/obd"/>
   </ds:schemaRefs>
 </ds:datastoreItem>
-</file>
-
-<file path=customXml/itemProps3.xml><?xml version="1.0" encoding="utf-8"?>
-<ds:datastoreItem xmlns:ds="http://schemas.openxmlformats.org/officeDocument/2006/customXml" ds:itemID="{E11995FC-08E7-4CE3-AAD9-37C0023556F1}">
-  <ds:schemaRefs>
-    <ds:schemaRef ds:uri="http://purl.org/dc/elements/1.1/"/>
-    <ds:schemaRef ds:uri="53433e96-4a1d-409d-a130-842bedef70f8"/>
-    <ds:schemaRef ds:uri="http://www.w3.org/XML/1998/namespace"/>
-    <ds:schemaRef ds:uri="http://schemas.microsoft.com/office/2006/documentManagement/types"/>
-    <ds:schemaRef ds:uri="http://schemas.microsoft.com/office/2006/metadata/properties"/>
-    <ds:schemaRef ds:uri="http://purl.org/dc/dcmitype/"/>
-    <ds:schemaRef ds:uri="http://schemas.microsoft.com/office/infopath/2007/PartnerControls"/>
-    <ds:schemaRef ds:uri="http://schemas.openxmlformats.org/package/2006/metadata/core-properties"/>
-    <ds:schemaRef ds:uri="http://purl.org/dc/terms/"/>
-  </ds:schemaRefs>
-</ds:datastoreItem>
 </file>
--- a/pptx/sop-pembeli.pptx
+++ b/pptx/sop-pembeli.pptx
@@ -1763,8 +1763,8 @@
         </p:nvSpPr>
         <p:spPr>
           <a:xfrm>
-            <a:off x="434340" y="6251257"/>
-            <a:ext cx="9418320" cy="3046988"/>
+            <a:off x="434340" y="6754177"/>
+            <a:ext cx="9418320" cy="2554545"/>
           </a:xfrm>
           <a:prstGeom prst="rect">
             <a:avLst/>
@@ -1777,7 +1777,7 @@
           </a:bodyPr>
           <a:lstStyle/>
           <a:p>
-            <a:pPr marL="285750" indent="-285750">
+            <a:pPr marL="508006" indent="-508006">
               <a:buFont typeface="Arial" panose="020B0604020202020204" pitchFamily="34" charset="0"/>
               <a:buChar char="•"/>
             </a:pPr>
@@ -1787,11 +1787,40 @@
                   <a:schemeClr val="bg1"/>
                 </a:solidFill>
               </a:rPr>
-              <a:t>Ini form untuk konfirmasi pembayaran</a:t>
-            </a:r>
+              <a:t>Pilih Bank</a:t>
+            </a:r>
+            <a:r>
+              <a:rPr lang="en-US" sz="3200" dirty="0">
+                <a:solidFill>
+                  <a:schemeClr val="bg1"/>
+                </a:solidFill>
+              </a:rPr>
+              <a:t> </a:t>
+            </a:r>
+            <a:r>
+              <a:rPr lang="en-US" sz="3200" dirty="0" err="1">
+                <a:solidFill>
+                  <a:schemeClr val="bg1"/>
+                </a:solidFill>
+              </a:rPr>
+              <a:t>asal</a:t>
+            </a:r>
+            <a:r>
+              <a:rPr lang="en-US" sz="3200" dirty="0">
+                <a:solidFill>
+                  <a:schemeClr val="bg1"/>
+                </a:solidFill>
+              </a:rPr>
+              <a:t> transfer</a:t>
+            </a:r>
+            <a:endParaRPr lang="id-ID" sz="3200" dirty="0">
+              <a:solidFill>
+                <a:schemeClr val="bg1"/>
+              </a:solidFill>
+            </a:endParaRPr>
           </a:p>
           <a:p>
-            <a:pPr marL="285750" indent="-285750">
+            <a:pPr marL="508006" indent="-508006">
               <a:buFont typeface="Arial" panose="020B0604020202020204" pitchFamily="34" charset="0"/>
               <a:buChar char="•"/>
             </a:pPr>
@@ -1801,11 +1830,11 @@
                   <a:schemeClr val="bg1"/>
                 </a:solidFill>
               </a:rPr>
-              <a:t>Pilih Bank</a:t>
+              <a:t>Ketik nomor rekening sekolah / rekening yang digunakan untuk transfer.</a:t>
             </a:r>
           </a:p>
           <a:p>
-            <a:pPr marL="285750" indent="-285750">
+            <a:pPr marL="508006" indent="-508006">
               <a:buFont typeface="Arial" panose="020B0604020202020204" pitchFamily="34" charset="0"/>
               <a:buChar char="•"/>
             </a:pPr>
@@ -1815,25 +1844,11 @@
                   <a:schemeClr val="bg1"/>
                 </a:solidFill>
               </a:rPr>
-              <a:t>Ketik nomor rekening sekolah / rekening yang digunakan untuk transfer.</a:t>
+              <a:t>Scan =&gt; Upload bukti transfer</a:t>
             </a:r>
           </a:p>
           <a:p>
-            <a:pPr marL="285750" indent="-285750">
-              <a:buFont typeface="Arial" panose="020B0604020202020204" pitchFamily="34" charset="0"/>
-              <a:buChar char="•"/>
-            </a:pPr>
-            <a:r>
-              <a:rPr lang="id-ID" sz="3200" dirty="0">
-                <a:solidFill>
-                  <a:schemeClr val="bg1"/>
-                </a:solidFill>
-              </a:rPr>
-              <a:t>Scan =&gt; Upload bukti transfer</a:t>
-            </a:r>
-          </a:p>
-          <a:p>
-            <a:pPr marL="285750" indent="-285750">
+            <a:pPr marL="508006" indent="-508006">
               <a:buFont typeface="Arial" panose="020B0604020202020204" pitchFamily="34" charset="0"/>
               <a:buChar char="•"/>
             </a:pPr>
@@ -1853,46 +1868,6 @@
           </a:p>
         </p:txBody>
       </p:sp>
-      <p:pic>
-        <p:nvPicPr>
-          <p:cNvPr id="6" name="Picture 5">
-            <a:extLst>
-              <a:ext uri="{FF2B5EF4-FFF2-40B4-BE49-F238E27FC236}">
-                <a16:creationId xmlns:a16="http://schemas.microsoft.com/office/drawing/2014/main" id="{6AB24D36-1C68-43F9-80F0-1685A879D790}"/>
-              </a:ext>
-            </a:extLst>
-          </p:cNvPr>
-          <p:cNvPicPr>
-            <a:picLocks noChangeAspect="1"/>
-          </p:cNvPicPr>
-          <p:nvPr/>
-        </p:nvPicPr>
-        <p:blipFill>
-          <a:blip r:embed="rId2"/>
-          <a:stretch>
-            <a:fillRect/>
-          </a:stretch>
-        </p:blipFill>
-        <p:spPr>
-          <a:xfrm>
-            <a:off x="2509837" y="164782"/>
-            <a:ext cx="5267325" cy="6086475"/>
-          </a:xfrm>
-          <a:prstGeom prst="rect">
-            <a:avLst/>
-          </a:prstGeom>
-          <a:ln>
-            <a:noFill/>
-          </a:ln>
-          <a:effectLst>
-            <a:outerShdw blurRad="190500" algn="tl" rotWithShape="0">
-              <a:srgbClr val="000000">
-                <a:alpha val="70000"/>
-              </a:srgbClr>
-            </a:outerShdw>
-          </a:effectLst>
-        </p:spPr>
-      </p:pic>
       <p:sp>
         <p:nvSpPr>
           <p:cNvPr id="8" name="Arrow: Pentagon 7">
@@ -1951,6 +1926,46 @@
           </a:p>
         </p:txBody>
       </p:sp>
+      <p:pic>
+        <p:nvPicPr>
+          <p:cNvPr id="5" name="Picture 4">
+            <a:extLst>
+              <a:ext uri="{FF2B5EF4-FFF2-40B4-BE49-F238E27FC236}">
+                <a16:creationId xmlns:a16="http://schemas.microsoft.com/office/drawing/2014/main" id="{48B630FC-94B7-4B85-94A4-8BF5884AD567}"/>
+              </a:ext>
+            </a:extLst>
+          </p:cNvPr>
+          <p:cNvPicPr>
+            <a:picLocks noChangeAspect="1"/>
+          </p:cNvPicPr>
+          <p:nvPr/>
+        </p:nvPicPr>
+        <p:blipFill>
+          <a:blip r:embed="rId2"/>
+          <a:stretch>
+            <a:fillRect/>
+          </a:stretch>
+        </p:blipFill>
+        <p:spPr>
+          <a:xfrm>
+            <a:off x="2387866" y="585987"/>
+            <a:ext cx="5091060" cy="6168190"/>
+          </a:xfrm>
+          <a:prstGeom prst="rect">
+            <a:avLst/>
+          </a:prstGeom>
+          <a:ln>
+            <a:noFill/>
+          </a:ln>
+          <a:effectLst>
+            <a:outerShdw blurRad="190500" algn="tl" rotWithShape="0">
+              <a:srgbClr val="000000">
+                <a:alpha val="70000"/>
+              </a:srgbClr>
+            </a:outerShdw>
+          </a:effectLst>
+        </p:spPr>
+      </p:pic>
     </p:spTree>
     <p:extLst>
       <p:ext uri="{BB962C8B-B14F-4D97-AF65-F5344CB8AC3E}">
@@ -2025,46 +2040,6 @@
           </a:p>
         </p:txBody>
       </p:sp>
-      <p:pic>
-        <p:nvPicPr>
-          <p:cNvPr id="2" name="Picture 1">
-            <a:extLst>
-              <a:ext uri="{FF2B5EF4-FFF2-40B4-BE49-F238E27FC236}">
-                <a16:creationId xmlns:a16="http://schemas.microsoft.com/office/drawing/2014/main" id="{D542D3D3-17F7-46C3-93FE-BB8B9ADD2366}"/>
-              </a:ext>
-            </a:extLst>
-          </p:cNvPr>
-          <p:cNvPicPr>
-            <a:picLocks noChangeAspect="1"/>
-          </p:cNvPicPr>
-          <p:nvPr/>
-        </p:nvPicPr>
-        <p:blipFill>
-          <a:blip r:embed="rId2"/>
-          <a:stretch>
-            <a:fillRect/>
-          </a:stretch>
-        </p:blipFill>
-        <p:spPr>
-          <a:xfrm>
-            <a:off x="2523647" y="723880"/>
-            <a:ext cx="6999923" cy="7569537"/>
-          </a:xfrm>
-          <a:prstGeom prst="rect">
-            <a:avLst/>
-          </a:prstGeom>
-          <a:ln>
-            <a:noFill/>
-          </a:ln>
-          <a:effectLst>
-            <a:outerShdw blurRad="190500" algn="tl" rotWithShape="0">
-              <a:srgbClr val="000000">
-                <a:alpha val="70000"/>
-              </a:srgbClr>
-            </a:outerShdw>
-          </a:effectLst>
-        </p:spPr>
-      </p:pic>
       <p:sp>
         <p:nvSpPr>
           <p:cNvPr id="8" name="Arrow: Pentagon 7">
@@ -2123,6 +2098,36 @@
           </a:p>
         </p:txBody>
       </p:sp>
+      <p:pic>
+        <p:nvPicPr>
+          <p:cNvPr id="5" name="Picture 4">
+            <a:extLst>
+              <a:ext uri="{FF2B5EF4-FFF2-40B4-BE49-F238E27FC236}">
+                <a16:creationId xmlns:a16="http://schemas.microsoft.com/office/drawing/2014/main" id="{7EDAA335-90CE-4222-AC75-D807639E6A66}"/>
+              </a:ext>
+            </a:extLst>
+          </p:cNvPr>
+          <p:cNvPicPr>
+            <a:picLocks noChangeAspect="1"/>
+          </p:cNvPicPr>
+          <p:nvPr/>
+        </p:nvPicPr>
+        <p:blipFill>
+          <a:blip r:embed="rId2"/>
+          <a:stretch>
+            <a:fillRect/>
+          </a:stretch>
+        </p:blipFill>
+        <p:spPr>
+          <a:xfrm>
+            <a:off x="1892780" y="1008200"/>
+            <a:ext cx="6501437" cy="7559537"/>
+          </a:xfrm>
+          <a:prstGeom prst="rect">
+            <a:avLst/>
+          </a:prstGeom>
+        </p:spPr>
+      </p:pic>
     </p:spTree>
     <p:extLst>
       <p:ext uri="{BB962C8B-B14F-4D97-AF65-F5344CB8AC3E}">
@@ -5070,12 +5075,6 @@
 </file>
 
 <file path=customXml/item2.xml><?xml version="1.0" encoding="utf-8"?>
-<p:properties xmlns:p="http://schemas.microsoft.com/office/2006/metadata/properties" xmlns:xsi="http://www.w3.org/2001/XMLSchema-instance" xmlns:pc="http://schemas.microsoft.com/office/infopath/2007/PartnerControls">
-  <documentManagement/>
-</p:properties>
-</file>
-
-<file path=customXml/item3.xml><?xml version="1.0" encoding="utf-8"?>
 <ct:contentTypeSchema xmlns:ct="http://schemas.microsoft.com/office/2006/metadata/contentType" xmlns:ma="http://schemas.microsoft.com/office/2006/metadata/properties/metaAttributes" ct:_="" ma:_="" ma:contentTypeName="Document" ma:contentTypeID="0x0101001B5BDA7C6CE0794CB690081AF5BE7757" ma:contentTypeVersion="3" ma:contentTypeDescription="Create a new document." ma:contentTypeScope="" ma:versionID="44b1045e285762bee7b65659c1d8a1ab">
   <xsd:schema xmlns:xsd="http://www.w3.org/2001/XMLSchema" xmlns:xs="http://www.w3.org/2001/XMLSchema" xmlns:p="http://schemas.microsoft.com/office/2006/metadata/properties" xmlns:ns3="53433e96-4a1d-409d-a130-842bedef70f8" targetNamespace="http://schemas.microsoft.com/office/2006/metadata/properties" ma:root="true" ma:fieldsID="a650c8404bbdd64b99b0b1ec51252d95" ns3:_="">
     <xsd:import namespace="53433e96-4a1d-409d-a130-842bedef70f8"/>
@@ -5213,6 +5212,12 @@
 </ct:contentTypeSchema>
 </file>
 
+<file path=customXml/item3.xml><?xml version="1.0" encoding="utf-8"?>
+<p:properties xmlns:p="http://schemas.microsoft.com/office/2006/metadata/properties" xmlns:xsi="http://www.w3.org/2001/XMLSchema-instance" xmlns:pc="http://schemas.microsoft.com/office/infopath/2007/PartnerControls">
+  <documentManagement/>
+</p:properties>
+</file>
+
 <file path=customXml/itemProps1.xml><?xml version="1.0" encoding="utf-8"?>
 <ds:datastoreItem xmlns:ds="http://schemas.openxmlformats.org/officeDocument/2006/customXml" ds:itemID="{9ADC79B7-B123-447E-84CE-9AA90B0D7642}">
   <ds:schemaRefs>
@@ -5222,22 +5227,6 @@
 </file>
 
 <file path=customXml/itemProps2.xml><?xml version="1.0" encoding="utf-8"?>
-<ds:datastoreItem xmlns:ds="http://schemas.openxmlformats.org/officeDocument/2006/customXml" ds:itemID="{E11995FC-08E7-4CE3-AAD9-37C0023556F1}">
-  <ds:schemaRefs>
-    <ds:schemaRef ds:uri="http://purl.org/dc/elements/1.1/"/>
-    <ds:schemaRef ds:uri="53433e96-4a1d-409d-a130-842bedef70f8"/>
-    <ds:schemaRef ds:uri="http://www.w3.org/XML/1998/namespace"/>
-    <ds:schemaRef ds:uri="http://schemas.microsoft.com/office/2006/documentManagement/types"/>
-    <ds:schemaRef ds:uri="http://schemas.microsoft.com/office/2006/metadata/properties"/>
-    <ds:schemaRef ds:uri="http://purl.org/dc/dcmitype/"/>
-    <ds:schemaRef ds:uri="http://schemas.microsoft.com/office/infopath/2007/PartnerControls"/>
-    <ds:schemaRef ds:uri="http://schemas.openxmlformats.org/package/2006/metadata/core-properties"/>
-    <ds:schemaRef ds:uri="http://purl.org/dc/terms/"/>
-  </ds:schemaRefs>
-</ds:datastoreItem>
-</file>
-
-<file path=customXml/itemProps3.xml><?xml version="1.0" encoding="utf-8"?>
 <ds:datastoreItem xmlns:ds="http://schemas.openxmlformats.org/officeDocument/2006/customXml" ds:itemID="{68444BF6-EE7C-43B3-8C74-FAC914ABFF8B}">
   <ds:schemaRefs>
     <ds:schemaRef ds:uri="http://schemas.microsoft.com/office/2006/metadata/contentType"/>
@@ -5253,4 +5242,20 @@
     <ds:schemaRef ds:uri="http://schemas.microsoft.com/internal/obd"/>
   </ds:schemaRefs>
 </ds:datastoreItem>
+</file>
+
+<file path=customXml/itemProps3.xml><?xml version="1.0" encoding="utf-8"?>
+<ds:datastoreItem xmlns:ds="http://schemas.openxmlformats.org/officeDocument/2006/customXml" ds:itemID="{E11995FC-08E7-4CE3-AAD9-37C0023556F1}">
+  <ds:schemaRefs>
+    <ds:schemaRef ds:uri="http://purl.org/dc/elements/1.1/"/>
+    <ds:schemaRef ds:uri="53433e96-4a1d-409d-a130-842bedef70f8"/>
+    <ds:schemaRef ds:uri="http://www.w3.org/XML/1998/namespace"/>
+    <ds:schemaRef ds:uri="http://schemas.microsoft.com/office/2006/documentManagement/types"/>
+    <ds:schemaRef ds:uri="http://schemas.microsoft.com/office/2006/metadata/properties"/>
+    <ds:schemaRef ds:uri="http://purl.org/dc/dcmitype/"/>
+    <ds:schemaRef ds:uri="http://schemas.microsoft.com/office/infopath/2007/PartnerControls"/>
+    <ds:schemaRef ds:uri="http://schemas.openxmlformats.org/package/2006/metadata/core-properties"/>
+    <ds:schemaRef ds:uri="http://purl.org/dc/terms/"/>
+  </ds:schemaRefs>
+</ds:datastoreItem>
 </file>